--- a/2022_DeepLearning/03_seminar_221014/3차 연구실 딥러닝 세미나.pptx
+++ b/2022_DeepLearning/03_seminar_221014/3차 연구실 딥러닝 세미나.pptx
@@ -219,7 +219,7 @@
           <a:p>
             <a:fld id="{E86D8963-CFCD-4740-AF60-049850373CDF}" type="datetimeFigureOut">
               <a:rPr lang="zh-CN" altLang="en-US" smtClean="0"/>
-              <a:t>2022/10/13</a:t>
+              <a:t>2022/10/17</a:t>
             </a:fld>
             <a:endParaRPr lang="zh-CN" altLang="en-US"/>
           </a:p>
@@ -30000,7 +30000,7 @@
     <p:bldLst>
       <p:bldP spid="5" grpId="0" animBg="1"/>
       <p:bldP spid="10" grpId="0" animBg="1"/>
-      <p:bldP spid="11" grpId="0"/>
+      <p:bldP spid="11" grpId="0" animBg="1"/>
       <p:bldP spid="35" grpId="0" animBg="1"/>
       <p:bldP spid="37" grpId="0"/>
     </p:bldLst>
@@ -30961,7 +30961,29 @@
                 </a:solidFill>
                 <a:latin typeface="Microsoft YaHei (본문)"/>
               </a:rPr>
-              <a:t>- </a:t>
+              <a:t>– 2022. 11. 04 (</a:t>
+            </a:r>
+            <a:r>
+              <a:rPr lang="ko-KR" altLang="en-US" sz="1400" dirty="0">
+                <a:solidFill>
+                  <a:schemeClr val="tx2">
+                    <a:lumMod val="75000"/>
+                  </a:schemeClr>
+                </a:solidFill>
+                <a:latin typeface="Microsoft YaHei (본문)"/>
+              </a:rPr>
+              <a:t>금</a:t>
+            </a:r>
+            <a:r>
+              <a:rPr lang="en-US" altLang="ko-KR" sz="1400" dirty="0">
+                <a:solidFill>
+                  <a:schemeClr val="tx2">
+                    <a:lumMod val="75000"/>
+                  </a:schemeClr>
+                </a:solidFill>
+                <a:latin typeface="Microsoft YaHei (본문)"/>
+              </a:rPr>
+              <a:t>)</a:t>
             </a:r>
           </a:p>
         </p:txBody>
